--- a/1주차수업중판서내용.pptx
+++ b/1주차수업중판서내용.pptx
@@ -3119,13 +3119,14 @@
           <a:lstStyle/>
           <a:p>
             <a:r>
-              <a:rPr lang="ko-KR" altLang="en-US" dirty="0" smtClean="0"/>
-              <a:t>학습내</a:t>
-            </a:r>
-            <a:r>
-              <a:rPr lang="ko-KR" altLang="en-US" dirty="0"/>
-              <a:t>용</a:t>
-            </a:r>
+              <a:rPr lang="en-US" altLang="ko-KR" smtClean="0"/>
+              <a:t>1.java</a:t>
+            </a:r>
+            <a:r>
+              <a:rPr lang="ko-KR" altLang="en-US" smtClean="0"/>
+              <a:t>학습내용</a:t>
+            </a:r>
+            <a:endParaRPr lang="ko-KR" altLang="en-US" dirty="0"/>
           </a:p>
         </p:txBody>
       </p:sp>
@@ -3144,7 +3145,7 @@
           <a:bodyPr/>
           <a:lstStyle/>
           <a:p>
-            <a:endParaRPr lang="ko-KR" altLang="en-US"/>
+            <a:endParaRPr lang="ko-KR" altLang="en-US" dirty="0"/>
           </a:p>
         </p:txBody>
       </p:sp>
@@ -4418,16 +4419,7 @@
                 </a:solidFill>
                 <a:latin typeface="+mn-ea"/>
               </a:rPr>
-              <a:t>   </a:t>
-            </a:r>
-            <a:r>
-              <a:rPr lang="en-US" altLang="ko-KR" b="1" dirty="0" smtClean="0">
-                <a:solidFill>
-                  <a:schemeClr val="tx1"/>
-                </a:solidFill>
-                <a:latin typeface="+mn-ea"/>
-              </a:rPr>
-              <a:t> </a:t>
+              <a:t>    </a:t>
             </a:r>
             <a:r>
               <a:rPr lang="ko-KR" altLang="en-US" b="1" dirty="0" smtClean="0">
@@ -4447,12 +4439,6 @@
               </a:rPr>
               <a:t> </a:t>
             </a:r>
-            <a:endParaRPr lang="en-US" altLang="ko-KR" b="1" dirty="0" smtClean="0">
-              <a:solidFill>
-                <a:srgbClr val="FF0000"/>
-              </a:solidFill>
-              <a:latin typeface="+mn-ea"/>
-            </a:endParaRPr>
           </a:p>
           <a:p>
             <a:endParaRPr lang="en-US" altLang="ko-KR" b="1" dirty="0" smtClean="0">
@@ -6068,13 +6054,8 @@
             </a:r>
             <a:r>
               <a:rPr lang="ko-KR" altLang="en-US" dirty="0" smtClean="0"/>
-              <a:t>데이터 혼용이 절대 발생되면 안됨</a:t>
-            </a:r>
-            <a:r>
-              <a:rPr lang="ko-KR" altLang="en-US" dirty="0" smtClean="0"/>
-              <a:t> </a:t>
-            </a:r>
-            <a:endParaRPr lang="ko-KR" altLang="en-US" dirty="0" smtClean="0"/>
+              <a:t>데이터 혼용이 절대 발생되면 안됨 </a:t>
+            </a:r>
           </a:p>
         </p:txBody>
       </p:sp>

--- a/1주차수업중판서내용.pptx
+++ b/1주차수업중판서내용.pptx
@@ -14,6 +14,7 @@
     <p:sldId id="262" r:id="rId8"/>
     <p:sldId id="263" r:id="rId9"/>
     <p:sldId id="264" r:id="rId10"/>
+    <p:sldId id="265" r:id="rId11"/>
   </p:sldIdLst>
   <p:sldSz cx="9144000" cy="6858000" type="screen4x3"/>
   <p:notesSz cx="6858000" cy="9144000"/>
@@ -296,7 +297,7 @@
           <a:p>
             <a:fld id="{7493A177-7D37-493A-B149-9AF6D5419A6C}" type="datetimeFigureOut">
               <a:rPr lang="ko-KR" altLang="en-US" smtClean="0"/>
-              <a:t>2018-06-26</a:t>
+              <a:t>2018-06-27</a:t>
             </a:fld>
             <a:endParaRPr lang="ko-KR" altLang="en-US"/>
           </a:p>
@@ -466,7 +467,7 @@
           <a:p>
             <a:fld id="{7493A177-7D37-493A-B149-9AF6D5419A6C}" type="datetimeFigureOut">
               <a:rPr lang="ko-KR" altLang="en-US" smtClean="0"/>
-              <a:t>2018-06-26</a:t>
+              <a:t>2018-06-27</a:t>
             </a:fld>
             <a:endParaRPr lang="ko-KR" altLang="en-US"/>
           </a:p>
@@ -646,7 +647,7 @@
           <a:p>
             <a:fld id="{7493A177-7D37-493A-B149-9AF6D5419A6C}" type="datetimeFigureOut">
               <a:rPr lang="ko-KR" altLang="en-US" smtClean="0"/>
-              <a:t>2018-06-26</a:t>
+              <a:t>2018-06-27</a:t>
             </a:fld>
             <a:endParaRPr lang="ko-KR" altLang="en-US"/>
           </a:p>
@@ -816,7 +817,7 @@
           <a:p>
             <a:fld id="{7493A177-7D37-493A-B149-9AF6D5419A6C}" type="datetimeFigureOut">
               <a:rPr lang="ko-KR" altLang="en-US" smtClean="0"/>
-              <a:t>2018-06-26</a:t>
+              <a:t>2018-06-27</a:t>
             </a:fld>
             <a:endParaRPr lang="ko-KR" altLang="en-US"/>
           </a:p>
@@ -1062,7 +1063,7 @@
           <a:p>
             <a:fld id="{7493A177-7D37-493A-B149-9AF6D5419A6C}" type="datetimeFigureOut">
               <a:rPr lang="ko-KR" altLang="en-US" smtClean="0"/>
-              <a:t>2018-06-26</a:t>
+              <a:t>2018-06-27</a:t>
             </a:fld>
             <a:endParaRPr lang="ko-KR" altLang="en-US"/>
           </a:p>
@@ -1350,7 +1351,7 @@
           <a:p>
             <a:fld id="{7493A177-7D37-493A-B149-9AF6D5419A6C}" type="datetimeFigureOut">
               <a:rPr lang="ko-KR" altLang="en-US" smtClean="0"/>
-              <a:t>2018-06-26</a:t>
+              <a:t>2018-06-27</a:t>
             </a:fld>
             <a:endParaRPr lang="ko-KR" altLang="en-US"/>
           </a:p>
@@ -1772,7 +1773,7 @@
           <a:p>
             <a:fld id="{7493A177-7D37-493A-B149-9AF6D5419A6C}" type="datetimeFigureOut">
               <a:rPr lang="ko-KR" altLang="en-US" smtClean="0"/>
-              <a:t>2018-06-26</a:t>
+              <a:t>2018-06-27</a:t>
             </a:fld>
             <a:endParaRPr lang="ko-KR" altLang="en-US"/>
           </a:p>
@@ -1890,7 +1891,7 @@
           <a:p>
             <a:fld id="{7493A177-7D37-493A-B149-9AF6D5419A6C}" type="datetimeFigureOut">
               <a:rPr lang="ko-KR" altLang="en-US" smtClean="0"/>
-              <a:t>2018-06-26</a:t>
+              <a:t>2018-06-27</a:t>
             </a:fld>
             <a:endParaRPr lang="ko-KR" altLang="en-US"/>
           </a:p>
@@ -1985,7 +1986,7 @@
           <a:p>
             <a:fld id="{7493A177-7D37-493A-B149-9AF6D5419A6C}" type="datetimeFigureOut">
               <a:rPr lang="ko-KR" altLang="en-US" smtClean="0"/>
-              <a:t>2018-06-26</a:t>
+              <a:t>2018-06-27</a:t>
             </a:fld>
             <a:endParaRPr lang="ko-KR" altLang="en-US"/>
           </a:p>
@@ -2262,7 +2263,7 @@
           <a:p>
             <a:fld id="{7493A177-7D37-493A-B149-9AF6D5419A6C}" type="datetimeFigureOut">
               <a:rPr lang="ko-KR" altLang="en-US" smtClean="0"/>
-              <a:t>2018-06-26</a:t>
+              <a:t>2018-06-27</a:t>
             </a:fld>
             <a:endParaRPr lang="ko-KR" altLang="en-US"/>
           </a:p>
@@ -2515,7 +2516,7 @@
           <a:p>
             <a:fld id="{7493A177-7D37-493A-B149-9AF6D5419A6C}" type="datetimeFigureOut">
               <a:rPr lang="ko-KR" altLang="en-US" smtClean="0"/>
-              <a:t>2018-06-26</a:t>
+              <a:t>2018-06-27</a:t>
             </a:fld>
             <a:endParaRPr lang="ko-KR" altLang="en-US"/>
           </a:p>
@@ -2728,7 +2729,7 @@
           <a:p>
             <a:fld id="{7493A177-7D37-493A-B149-9AF6D5419A6C}" type="datetimeFigureOut">
               <a:rPr lang="ko-KR" altLang="en-US" smtClean="0"/>
-              <a:t>2018-06-26</a:t>
+              <a:t>2018-06-27</a:t>
             </a:fld>
             <a:endParaRPr lang="ko-KR" altLang="en-US"/>
           </a:p>
@@ -3153,6 +3154,78 @@
     <p:extLst>
       <p:ext uri="{BB962C8B-B14F-4D97-AF65-F5344CB8AC3E}">
         <p14:creationId xmlns:p14="http://schemas.microsoft.com/office/powerpoint/2010/main" val="3949065431"/>
+      </p:ext>
+    </p:extLst>
+  </p:cSld>
+  <p:clrMapOvr>
+    <a:masterClrMapping/>
+  </p:clrMapOvr>
+</p:sld>
+</file>
+
+<file path=ppt/slides/slide10.xml><?xml version="1.0" encoding="utf-8"?>
+<p:sld xmlns:a="http://schemas.openxmlformats.org/drawingml/2006/main" xmlns:r="http://schemas.openxmlformats.org/officeDocument/2006/relationships" xmlns:p="http://schemas.openxmlformats.org/presentationml/2006/main">
+  <p:cSld>
+    <p:spTree>
+      <p:nvGrpSpPr>
+        <p:cNvPr id="1" name=""/>
+        <p:cNvGrpSpPr/>
+        <p:nvPr/>
+      </p:nvGrpSpPr>
+      <p:grpSpPr>
+        <a:xfrm>
+          <a:off x="0" y="0"/>
+          <a:ext cx="0" cy="0"/>
+          <a:chOff x="0" y="0"/>
+          <a:chExt cx="0" cy="0"/>
+        </a:xfrm>
+      </p:grpSpPr>
+      <p:sp>
+        <p:nvSpPr>
+          <p:cNvPr id="2" name="제목 1"/>
+          <p:cNvSpPr>
+            <a:spLocks noGrp="1"/>
+          </p:cNvSpPr>
+          <p:nvPr>
+            <p:ph type="title"/>
+          </p:nvPr>
+        </p:nvSpPr>
+        <p:spPr/>
+        <p:txBody>
+          <a:bodyPr/>
+          <a:lstStyle/>
+          <a:p>
+            <a:r>
+              <a:rPr lang="ko-KR" altLang="en-US" dirty="0" smtClean="0"/>
+              <a:t>새로운 추가</a:t>
+            </a:r>
+            <a:endParaRPr lang="ko-KR" altLang="en-US" dirty="0"/>
+          </a:p>
+        </p:txBody>
+      </p:sp>
+      <p:sp>
+        <p:nvSpPr>
+          <p:cNvPr id="3" name="내용 개체 틀 2"/>
+          <p:cNvSpPr>
+            <a:spLocks noGrp="1"/>
+          </p:cNvSpPr>
+          <p:nvPr>
+            <p:ph idx="1"/>
+          </p:nvPr>
+        </p:nvSpPr>
+        <p:spPr/>
+        <p:txBody>
+          <a:bodyPr/>
+          <a:lstStyle/>
+          <a:p>
+            <a:endParaRPr lang="ko-KR" altLang="en-US"/>
+          </a:p>
+        </p:txBody>
+      </p:sp>
+    </p:spTree>
+    <p:extLst>
+      <p:ext uri="{BB962C8B-B14F-4D97-AF65-F5344CB8AC3E}">
+        <p14:creationId xmlns:p14="http://schemas.microsoft.com/office/powerpoint/2010/main" val="2091973034"/>
       </p:ext>
     </p:extLst>
   </p:cSld>

--- a/1주차수업중판서내용.pptx
+++ b/1주차수업중판서내용.pptx
@@ -15,6 +15,7 @@
     <p:sldId id="263" r:id="rId9"/>
     <p:sldId id="264" r:id="rId10"/>
     <p:sldId id="265" r:id="rId11"/>
+    <p:sldId id="266" r:id="rId12"/>
   </p:sldIdLst>
   <p:sldSz cx="9144000" cy="6858000" type="screen4x3"/>
   <p:notesSz cx="6858000" cy="9144000"/>
@@ -3196,8 +3197,8 @@
           <a:lstStyle/>
           <a:p>
             <a:r>
-              <a:rPr lang="ko-KR" altLang="en-US" dirty="0" smtClean="0"/>
-              <a:t>새로운 추가</a:t>
+              <a:rPr lang="en-US" altLang="ko-KR" dirty="0"/>
+              <a:t>Step03Type</a:t>
             </a:r>
             <a:endParaRPr lang="ko-KR" altLang="en-US" dirty="0"/>
           </a:p>
@@ -3205,12 +3206,275 @@
       </p:sp>
       <p:sp>
         <p:nvSpPr>
-          <p:cNvPr id="3" name="내용 개체 틀 2"/>
+          <p:cNvPr id="4" name="모서리가 둥근 직사각형 3"/>
+          <p:cNvSpPr/>
+          <p:nvPr/>
+        </p:nvSpPr>
+        <p:spPr>
+          <a:xfrm>
+            <a:off x="1403648" y="5013176"/>
+            <a:ext cx="1620026" cy="720080"/>
+          </a:xfrm>
+          <a:prstGeom prst="roundRect">
+            <a:avLst/>
+          </a:prstGeom>
+        </p:spPr>
+        <p:style>
+          <a:lnRef idx="2">
+            <a:schemeClr val="accent1"/>
+          </a:lnRef>
+          <a:fillRef idx="1">
+            <a:schemeClr val="lt1"/>
+          </a:fillRef>
+          <a:effectRef idx="0">
+            <a:schemeClr val="accent1"/>
+          </a:effectRef>
+          <a:fontRef idx="minor">
+            <a:schemeClr val="dk1"/>
+          </a:fontRef>
+        </p:style>
+        <p:txBody>
+          <a:bodyPr rtlCol="0" anchor="ctr"/>
+          <a:lstStyle/>
+          <a:p>
+            <a:pPr algn="ctr"/>
+            <a:r>
+              <a:rPr lang="en-US" altLang="ko-KR" dirty="0" smtClean="0"/>
+              <a:t>s</a:t>
+            </a:r>
+            <a:endParaRPr lang="ko-KR" altLang="en-US" dirty="0" smtClean="0"/>
+          </a:p>
+        </p:txBody>
+      </p:sp>
+      <p:sp>
+        <p:nvSpPr>
+          <p:cNvPr id="10" name="모서리가 둥근 직사각형 9"/>
+          <p:cNvSpPr/>
+          <p:nvPr/>
+        </p:nvSpPr>
+        <p:spPr>
+          <a:xfrm>
+            <a:off x="5148064" y="5085184"/>
+            <a:ext cx="2160240" cy="720080"/>
+          </a:xfrm>
+          <a:prstGeom prst="roundRect">
+            <a:avLst/>
+          </a:prstGeom>
+        </p:spPr>
+        <p:style>
+          <a:lnRef idx="2">
+            <a:schemeClr val="accent1"/>
+          </a:lnRef>
+          <a:fillRef idx="1">
+            <a:schemeClr val="lt1"/>
+          </a:fillRef>
+          <a:effectRef idx="0">
+            <a:schemeClr val="accent1"/>
+          </a:effectRef>
+          <a:fontRef idx="minor">
+            <a:schemeClr val="dk1"/>
+          </a:fontRef>
+        </p:style>
+        <p:txBody>
+          <a:bodyPr rtlCol="0" anchor="ctr"/>
+          <a:lstStyle/>
+          <a:p>
+            <a:pPr algn="ctr"/>
+            <a:r>
+              <a:rPr lang="en-US" altLang="ko-KR" dirty="0"/>
+              <a:t>Step03Type</a:t>
+            </a:r>
+            <a:endParaRPr lang="ko-KR" altLang="en-US" dirty="0" smtClean="0"/>
+          </a:p>
+        </p:txBody>
+      </p:sp>
+      <p:sp>
+        <p:nvSpPr>
+          <p:cNvPr id="21" name="타원 20"/>
+          <p:cNvSpPr/>
+          <p:nvPr/>
+        </p:nvSpPr>
+        <p:spPr>
+          <a:xfrm>
+            <a:off x="4716016" y="4797152"/>
+            <a:ext cx="720080" cy="576064"/>
+          </a:xfrm>
+          <a:prstGeom prst="ellipse">
+            <a:avLst/>
+          </a:prstGeom>
+        </p:spPr>
+        <p:style>
+          <a:lnRef idx="2">
+            <a:schemeClr val="accent1"/>
+          </a:lnRef>
+          <a:fillRef idx="1">
+            <a:schemeClr val="lt1"/>
+          </a:fillRef>
+          <a:effectRef idx="0">
+            <a:schemeClr val="accent1"/>
+          </a:effectRef>
+          <a:fontRef idx="minor">
+            <a:schemeClr val="dk1"/>
+          </a:fontRef>
+        </p:style>
+        <p:txBody>
+          <a:bodyPr rtlCol="0" anchor="ctr"/>
+          <a:lstStyle/>
+          <a:p>
+            <a:pPr algn="ctr"/>
+            <a:endParaRPr lang="ko-KR" altLang="en-US" dirty="0" smtClean="0"/>
+          </a:p>
+        </p:txBody>
+      </p:sp>
+      <p:sp>
+        <p:nvSpPr>
+          <p:cNvPr id="22" name="타원 21"/>
+          <p:cNvSpPr/>
+          <p:nvPr/>
+        </p:nvSpPr>
+        <p:spPr>
+          <a:xfrm>
+            <a:off x="2663634" y="4797152"/>
+            <a:ext cx="720080" cy="576064"/>
+          </a:xfrm>
+          <a:prstGeom prst="ellipse">
+            <a:avLst/>
+          </a:prstGeom>
+        </p:spPr>
+        <p:style>
+          <a:lnRef idx="2">
+            <a:schemeClr val="accent1"/>
+          </a:lnRef>
+          <a:fillRef idx="1">
+            <a:schemeClr val="lt1"/>
+          </a:fillRef>
+          <a:effectRef idx="0">
+            <a:schemeClr val="accent1"/>
+          </a:effectRef>
+          <a:fontRef idx="minor">
+            <a:schemeClr val="dk1"/>
+          </a:fontRef>
+        </p:style>
+        <p:txBody>
+          <a:bodyPr rtlCol="0" anchor="ctr"/>
+          <a:lstStyle/>
+          <a:p>
+            <a:pPr algn="ctr"/>
+            <a:endParaRPr lang="ko-KR" altLang="en-US" dirty="0" smtClean="0"/>
+          </a:p>
+        </p:txBody>
+      </p:sp>
+      <p:cxnSp>
+        <p:nvCxnSpPr>
+          <p:cNvPr id="24" name="직선 화살표 연결선 23"/>
+          <p:cNvCxnSpPr>
+            <a:stCxn id="22" idx="6"/>
+          </p:cNvCxnSpPr>
+          <p:nvPr/>
+        </p:nvCxnSpPr>
+        <p:spPr>
+          <a:xfrm>
+            <a:off x="3383714" y="5085184"/>
+            <a:ext cx="1332302" cy="47313"/>
+          </a:xfrm>
+          <a:prstGeom prst="straightConnector1">
+            <a:avLst/>
+          </a:prstGeom>
+          <a:ln>
+            <a:tailEnd type="arrow"/>
+          </a:ln>
+        </p:spPr>
+        <p:style>
+          <a:lnRef idx="1">
+            <a:schemeClr val="accent1"/>
+          </a:lnRef>
+          <a:fillRef idx="0">
+            <a:schemeClr val="accent1"/>
+          </a:fillRef>
+          <a:effectRef idx="0">
+            <a:schemeClr val="accent1"/>
+          </a:effectRef>
+          <a:fontRef idx="minor">
+            <a:schemeClr val="tx1"/>
+          </a:fontRef>
+        </p:style>
+      </p:cxnSp>
+    </p:spTree>
+    <p:extLst>
+      <p:ext uri="{BB962C8B-B14F-4D97-AF65-F5344CB8AC3E}">
+        <p14:creationId xmlns:p14="http://schemas.microsoft.com/office/powerpoint/2010/main" val="2091973034"/>
+      </p:ext>
+    </p:extLst>
+  </p:cSld>
+  <p:clrMapOvr>
+    <a:masterClrMapping/>
+  </p:clrMapOvr>
+</p:sld>
+</file>
+
+<file path=ppt/slides/slide11.xml><?xml version="1.0" encoding="utf-8"?>
+<p:sld xmlns:a="http://schemas.openxmlformats.org/drawingml/2006/main" xmlns:r="http://schemas.openxmlformats.org/officeDocument/2006/relationships" xmlns:p="http://schemas.openxmlformats.org/presentationml/2006/main">
+  <p:cSld>
+    <p:spTree>
+      <p:nvGrpSpPr>
+        <p:cNvPr id="1" name=""/>
+        <p:cNvGrpSpPr/>
+        <p:nvPr/>
+      </p:nvGrpSpPr>
+      <p:grpSpPr>
+        <a:xfrm>
+          <a:off x="0" y="0"/>
+          <a:ext cx="0" cy="0"/>
+          <a:chOff x="0" y="0"/>
+          <a:chExt cx="0" cy="0"/>
+        </a:xfrm>
+      </p:grpSpPr>
+      <p:sp>
+        <p:nvSpPr>
+          <p:cNvPr id="11" name="직사각형 10"/>
+          <p:cNvSpPr/>
+          <p:nvPr/>
+        </p:nvSpPr>
+        <p:spPr>
+          <a:xfrm>
+            <a:off x="4355976" y="2276872"/>
+            <a:ext cx="2880320" cy="2736304"/>
+          </a:xfrm>
+          <a:prstGeom prst="rect">
+            <a:avLst/>
+          </a:prstGeom>
+        </p:spPr>
+        <p:style>
+          <a:lnRef idx="2">
+            <a:schemeClr val="accent1"/>
+          </a:lnRef>
+          <a:fillRef idx="1">
+            <a:schemeClr val="lt1"/>
+          </a:fillRef>
+          <a:effectRef idx="0">
+            <a:schemeClr val="accent1"/>
+          </a:effectRef>
+          <a:fontRef idx="minor">
+            <a:schemeClr val="dk1"/>
+          </a:fontRef>
+        </p:style>
+        <p:txBody>
+          <a:bodyPr rtlCol="0" anchor="ctr"/>
+          <a:lstStyle/>
+          <a:p>
+            <a:pPr algn="ctr"/>
+            <a:endParaRPr lang="ko-KR" altLang="en-US" dirty="0" smtClean="0"/>
+          </a:p>
+        </p:txBody>
+      </p:sp>
+      <p:sp>
+        <p:nvSpPr>
+          <p:cNvPr id="2" name="제목 1"/>
           <p:cNvSpPr>
             <a:spLocks noGrp="1"/>
           </p:cNvSpPr>
           <p:nvPr>
-            <p:ph idx="1"/>
+            <p:ph type="title"/>
           </p:nvPr>
         </p:nvSpPr>
         <p:spPr/>
@@ -3218,14 +3482,615 @@
           <a:bodyPr/>
           <a:lstStyle/>
           <a:p>
+            <a:r>
+              <a:rPr lang="en-US" altLang="ko-KR" dirty="0"/>
+              <a:t>Step03Type</a:t>
+            </a:r>
+            <a:endParaRPr lang="ko-KR" altLang="en-US" dirty="0"/>
+          </a:p>
+        </p:txBody>
+      </p:sp>
+      <p:sp>
+        <p:nvSpPr>
+          <p:cNvPr id="4" name="모서리가 둥근 직사각형 3"/>
+          <p:cNvSpPr/>
+          <p:nvPr/>
+        </p:nvSpPr>
+        <p:spPr>
+          <a:xfrm>
+            <a:off x="1403648" y="5013176"/>
+            <a:ext cx="1620026" cy="720080"/>
+          </a:xfrm>
+          <a:prstGeom prst="roundRect">
+            <a:avLst/>
+          </a:prstGeom>
+        </p:spPr>
+        <p:style>
+          <a:lnRef idx="2">
+            <a:schemeClr val="accent1"/>
+          </a:lnRef>
+          <a:fillRef idx="1">
+            <a:schemeClr val="lt1"/>
+          </a:fillRef>
+          <a:effectRef idx="0">
+            <a:schemeClr val="accent1"/>
+          </a:effectRef>
+          <a:fontRef idx="minor">
+            <a:schemeClr val="dk1"/>
+          </a:fontRef>
+        </p:style>
+        <p:txBody>
+          <a:bodyPr rtlCol="0" anchor="ctr"/>
+          <a:lstStyle/>
+          <a:p>
+            <a:pPr algn="ctr"/>
+            <a:r>
+              <a:rPr lang="en-US" altLang="ko-KR" dirty="0" smtClean="0"/>
+              <a:t>s</a:t>
+            </a:r>
+            <a:endParaRPr lang="ko-KR" altLang="en-US" dirty="0" smtClean="0"/>
+          </a:p>
+        </p:txBody>
+      </p:sp>
+      <p:sp>
+        <p:nvSpPr>
+          <p:cNvPr id="5" name="모서리가 둥근 직사각형 4"/>
+          <p:cNvSpPr/>
+          <p:nvPr/>
+        </p:nvSpPr>
+        <p:spPr>
+          <a:xfrm>
+            <a:off x="1439806" y="3952191"/>
+            <a:ext cx="1620026" cy="720080"/>
+          </a:xfrm>
+          <a:prstGeom prst="roundRect">
+            <a:avLst/>
+          </a:prstGeom>
+        </p:spPr>
+        <p:style>
+          <a:lnRef idx="2">
+            <a:schemeClr val="accent1"/>
+          </a:lnRef>
+          <a:fillRef idx="1">
+            <a:schemeClr val="lt1"/>
+          </a:fillRef>
+          <a:effectRef idx="0">
+            <a:schemeClr val="accent1"/>
+          </a:effectRef>
+          <a:fontRef idx="minor">
+            <a:schemeClr val="dk1"/>
+          </a:fontRef>
+        </p:style>
+        <p:txBody>
+          <a:bodyPr rtlCol="0" anchor="ctr"/>
+          <a:lstStyle/>
+          <a:p>
+            <a:pPr algn="ctr"/>
+            <a:r>
+              <a:rPr lang="en-US" altLang="ko-KR" dirty="0" smtClean="0"/>
+              <a:t>v2</a:t>
+            </a:r>
+            <a:endParaRPr lang="ko-KR" altLang="en-US" dirty="0" smtClean="0"/>
+          </a:p>
+        </p:txBody>
+      </p:sp>
+      <p:sp>
+        <p:nvSpPr>
+          <p:cNvPr id="7" name="모서리가 둥근 직사각형 6"/>
+          <p:cNvSpPr/>
+          <p:nvPr/>
+        </p:nvSpPr>
+        <p:spPr>
+          <a:xfrm>
+            <a:off x="4559605" y="3332832"/>
+            <a:ext cx="2160240" cy="720080"/>
+          </a:xfrm>
+          <a:prstGeom prst="roundRect">
+            <a:avLst/>
+          </a:prstGeom>
+        </p:spPr>
+        <p:style>
+          <a:lnRef idx="2">
+            <a:schemeClr val="accent1"/>
+          </a:lnRef>
+          <a:fillRef idx="1">
+            <a:schemeClr val="lt1"/>
+          </a:fillRef>
+          <a:effectRef idx="0">
+            <a:schemeClr val="accent1"/>
+          </a:effectRef>
+          <a:fontRef idx="minor">
+            <a:schemeClr val="dk1"/>
+          </a:fontRef>
+        </p:style>
+        <p:txBody>
+          <a:bodyPr rtlCol="0" anchor="ctr"/>
+          <a:lstStyle/>
+          <a:p>
+            <a:pPr algn="ctr"/>
+            <a:r>
+              <a:rPr lang="en-US" altLang="ko-KR" dirty="0" err="1" smtClean="0"/>
+              <a:t>cellPhone</a:t>
+            </a:r>
+            <a:endParaRPr lang="ko-KR" altLang="en-US" dirty="0" smtClean="0"/>
+          </a:p>
+        </p:txBody>
+      </p:sp>
+      <p:sp>
+        <p:nvSpPr>
+          <p:cNvPr id="8" name="모서리가 둥근 직사각형 7"/>
+          <p:cNvSpPr/>
+          <p:nvPr/>
+        </p:nvSpPr>
+        <p:spPr>
+          <a:xfrm>
+            <a:off x="4572000" y="2564904"/>
+            <a:ext cx="2160240" cy="720080"/>
+          </a:xfrm>
+          <a:prstGeom prst="roundRect">
+            <a:avLst/>
+          </a:prstGeom>
+        </p:spPr>
+        <p:style>
+          <a:lnRef idx="2">
+            <a:schemeClr val="accent1"/>
+          </a:lnRef>
+          <a:fillRef idx="1">
+            <a:schemeClr val="lt1"/>
+          </a:fillRef>
+          <a:effectRef idx="0">
+            <a:schemeClr val="accent1"/>
+          </a:effectRef>
+          <a:fontRef idx="minor">
+            <a:schemeClr val="dk1"/>
+          </a:fontRef>
+        </p:style>
+        <p:txBody>
+          <a:bodyPr rtlCol="0" anchor="ctr"/>
+          <a:lstStyle/>
+          <a:p>
+            <a:pPr algn="ctr"/>
+            <a:r>
+              <a:rPr lang="en-US" altLang="ko-KR" dirty="0" smtClean="0"/>
+              <a:t>name</a:t>
+            </a:r>
+            <a:endParaRPr lang="ko-KR" altLang="en-US" dirty="0" smtClean="0"/>
+          </a:p>
+        </p:txBody>
+      </p:sp>
+      <p:sp>
+        <p:nvSpPr>
+          <p:cNvPr id="9" name="모서리가 둥근 직사각형 8"/>
+          <p:cNvSpPr/>
+          <p:nvPr/>
+        </p:nvSpPr>
+        <p:spPr>
+          <a:xfrm>
+            <a:off x="4559605" y="4052912"/>
+            <a:ext cx="2160240" cy="720080"/>
+          </a:xfrm>
+          <a:prstGeom prst="roundRect">
+            <a:avLst/>
+          </a:prstGeom>
+        </p:spPr>
+        <p:style>
+          <a:lnRef idx="2">
+            <a:schemeClr val="accent1"/>
+          </a:lnRef>
+          <a:fillRef idx="1">
+            <a:schemeClr val="lt1"/>
+          </a:fillRef>
+          <a:effectRef idx="0">
+            <a:schemeClr val="accent1"/>
+          </a:effectRef>
+          <a:fontRef idx="minor">
+            <a:schemeClr val="dk1"/>
+          </a:fontRef>
+        </p:style>
+        <p:txBody>
+          <a:bodyPr rtlCol="0" anchor="ctr"/>
+          <a:lstStyle/>
+          <a:p>
+            <a:pPr algn="ctr"/>
+            <a:r>
+              <a:rPr lang="en-US" altLang="ko-KR" dirty="0" smtClean="0"/>
+              <a:t>age</a:t>
+            </a:r>
+            <a:endParaRPr lang="ko-KR" altLang="en-US" dirty="0" smtClean="0"/>
+          </a:p>
+        </p:txBody>
+      </p:sp>
+      <p:sp>
+        <p:nvSpPr>
+          <p:cNvPr id="10" name="모서리가 둥근 직사각형 9"/>
+          <p:cNvSpPr/>
+          <p:nvPr/>
+        </p:nvSpPr>
+        <p:spPr>
+          <a:xfrm>
+            <a:off x="5076056" y="5132497"/>
+            <a:ext cx="2160240" cy="720080"/>
+          </a:xfrm>
+          <a:prstGeom prst="roundRect">
+            <a:avLst/>
+          </a:prstGeom>
+        </p:spPr>
+        <p:style>
+          <a:lnRef idx="2">
+            <a:schemeClr val="accent1"/>
+          </a:lnRef>
+          <a:fillRef idx="1">
+            <a:schemeClr val="lt1"/>
+          </a:fillRef>
+          <a:effectRef idx="0">
+            <a:schemeClr val="accent1"/>
+          </a:effectRef>
+          <a:fontRef idx="minor">
+            <a:schemeClr val="dk1"/>
+          </a:fontRef>
+        </p:style>
+        <p:txBody>
+          <a:bodyPr rtlCol="0" anchor="ctr"/>
+          <a:lstStyle/>
+          <a:p>
+            <a:pPr algn="ctr"/>
+            <a:r>
+              <a:rPr lang="en-US" altLang="ko-KR" dirty="0"/>
+              <a:t>Step03Type</a:t>
+            </a:r>
+            <a:endParaRPr lang="ko-KR" altLang="en-US" dirty="0" smtClean="0"/>
+          </a:p>
+        </p:txBody>
+      </p:sp>
+      <p:sp>
+        <p:nvSpPr>
+          <p:cNvPr id="12" name="모서리가 둥근 직사각형 11"/>
+          <p:cNvSpPr/>
+          <p:nvPr/>
+        </p:nvSpPr>
+        <p:spPr>
+          <a:xfrm>
+            <a:off x="4340002" y="1554510"/>
+            <a:ext cx="2160240" cy="720080"/>
+          </a:xfrm>
+          <a:prstGeom prst="roundRect">
+            <a:avLst/>
+          </a:prstGeom>
+        </p:spPr>
+        <p:style>
+          <a:lnRef idx="2">
+            <a:schemeClr val="accent1"/>
+          </a:lnRef>
+          <a:fillRef idx="1">
+            <a:schemeClr val="lt1"/>
+          </a:fillRef>
+          <a:effectRef idx="0">
+            <a:schemeClr val="accent1"/>
+          </a:effectRef>
+          <a:fontRef idx="minor">
+            <a:schemeClr val="dk1"/>
+          </a:fontRef>
+        </p:style>
+        <p:txBody>
+          <a:bodyPr rtlCol="0" anchor="ctr"/>
+          <a:lstStyle/>
+          <a:p>
+            <a:pPr algn="ctr"/>
+            <a:r>
+              <a:rPr lang="en-US" altLang="ko-KR" dirty="0" err="1"/>
+              <a:t>FriendVO</a:t>
+            </a:r>
+            <a:endParaRPr lang="ko-KR" altLang="en-US" dirty="0" smtClean="0"/>
+          </a:p>
+        </p:txBody>
+      </p:sp>
+      <p:sp>
+        <p:nvSpPr>
+          <p:cNvPr id="13" name="타원 12"/>
+          <p:cNvSpPr/>
+          <p:nvPr/>
+        </p:nvSpPr>
+        <p:spPr>
+          <a:xfrm>
+            <a:off x="3995936" y="2274590"/>
+            <a:ext cx="563669" cy="434330"/>
+          </a:xfrm>
+          <a:prstGeom prst="ellipse">
+            <a:avLst/>
+          </a:prstGeom>
+        </p:spPr>
+        <p:style>
+          <a:lnRef idx="0">
+            <a:schemeClr val="accent2"/>
+          </a:lnRef>
+          <a:fillRef idx="3">
+            <a:schemeClr val="accent2"/>
+          </a:fillRef>
+          <a:effectRef idx="3">
+            <a:schemeClr val="accent2"/>
+          </a:effectRef>
+          <a:fontRef idx="minor">
+            <a:schemeClr val="lt1"/>
+          </a:fontRef>
+        </p:style>
+        <p:txBody>
+          <a:bodyPr rtlCol="0" anchor="ctr"/>
+          <a:lstStyle/>
+          <a:p>
+            <a:pPr algn="ctr"/>
+            <a:endParaRPr lang="ko-KR" altLang="en-US" dirty="0" smtClean="0"/>
+          </a:p>
+        </p:txBody>
+      </p:sp>
+      <p:sp>
+        <p:nvSpPr>
+          <p:cNvPr id="14" name="타원 13"/>
+          <p:cNvSpPr/>
+          <p:nvPr/>
+        </p:nvSpPr>
+        <p:spPr>
+          <a:xfrm>
+            <a:off x="2627784" y="3692872"/>
+            <a:ext cx="563669" cy="434330"/>
+          </a:xfrm>
+          <a:prstGeom prst="ellipse">
+            <a:avLst/>
+          </a:prstGeom>
+        </p:spPr>
+        <p:style>
+          <a:lnRef idx="0">
+            <a:schemeClr val="accent2"/>
+          </a:lnRef>
+          <a:fillRef idx="3">
+            <a:schemeClr val="accent2"/>
+          </a:fillRef>
+          <a:effectRef idx="3">
+            <a:schemeClr val="accent2"/>
+          </a:effectRef>
+          <a:fontRef idx="minor">
+            <a:schemeClr val="lt1"/>
+          </a:fontRef>
+        </p:style>
+        <p:txBody>
+          <a:bodyPr rtlCol="0" anchor="ctr"/>
+          <a:lstStyle/>
+          <a:p>
+            <a:pPr algn="ctr"/>
+            <a:endParaRPr lang="ko-KR" altLang="en-US" dirty="0" smtClean="0"/>
+          </a:p>
+        </p:txBody>
+      </p:sp>
+      <p:sp>
+        <p:nvSpPr>
+          <p:cNvPr id="15" name="왼쪽 중괄호 14"/>
+          <p:cNvSpPr/>
+          <p:nvPr/>
+        </p:nvSpPr>
+        <p:spPr>
+          <a:xfrm>
+            <a:off x="827584" y="4312231"/>
+            <a:ext cx="432048" cy="1060985"/>
+          </a:xfrm>
+          <a:prstGeom prst="leftBrace">
+            <a:avLst/>
+          </a:prstGeom>
+        </p:spPr>
+        <p:style>
+          <a:lnRef idx="1">
+            <a:schemeClr val="accent1"/>
+          </a:lnRef>
+          <a:fillRef idx="0">
+            <a:schemeClr val="accent1"/>
+          </a:fillRef>
+          <a:effectRef idx="0">
+            <a:schemeClr val="accent1"/>
+          </a:effectRef>
+          <a:fontRef idx="minor">
+            <a:schemeClr val="tx1"/>
+          </a:fontRef>
+        </p:style>
+        <p:txBody>
+          <a:bodyPr rtlCol="0" anchor="ctr"/>
+          <a:lstStyle/>
+          <a:p>
+            <a:pPr algn="ctr"/>
             <a:endParaRPr lang="ko-KR" altLang="en-US"/>
+          </a:p>
+        </p:txBody>
+      </p:sp>
+      <p:sp>
+        <p:nvSpPr>
+          <p:cNvPr id="16" name="직사각형 15"/>
+          <p:cNvSpPr/>
+          <p:nvPr/>
+        </p:nvSpPr>
+        <p:spPr>
+          <a:xfrm>
+            <a:off x="-11484" y="4673968"/>
+            <a:ext cx="839068" cy="400929"/>
+          </a:xfrm>
+          <a:prstGeom prst="rect">
+            <a:avLst/>
+          </a:prstGeom>
+        </p:spPr>
+        <p:style>
+          <a:lnRef idx="2">
+            <a:schemeClr val="accent1"/>
+          </a:lnRef>
+          <a:fillRef idx="1">
+            <a:schemeClr val="lt1"/>
+          </a:fillRef>
+          <a:effectRef idx="0">
+            <a:schemeClr val="accent1"/>
+          </a:effectRef>
+          <a:fontRef idx="minor">
+            <a:schemeClr val="dk1"/>
+          </a:fontRef>
+        </p:style>
+        <p:txBody>
+          <a:bodyPr rtlCol="0" anchor="ctr"/>
+          <a:lstStyle/>
+          <a:p>
+            <a:pPr algn="ctr"/>
+            <a:r>
+              <a:rPr lang="en-US" altLang="ko-KR" dirty="0" smtClean="0"/>
+              <a:t>main</a:t>
+            </a:r>
+            <a:endParaRPr lang="ko-KR" altLang="en-US" dirty="0" smtClean="0"/>
+          </a:p>
+        </p:txBody>
+      </p:sp>
+      <p:cxnSp>
+        <p:nvCxnSpPr>
+          <p:cNvPr id="28" name="직선 화살표 연결선 27"/>
+          <p:cNvCxnSpPr/>
+          <p:nvPr/>
+        </p:nvCxnSpPr>
+        <p:spPr>
+          <a:xfrm flipV="1">
+            <a:off x="3098652" y="2564904"/>
+            <a:ext cx="897284" cy="1345133"/>
+          </a:xfrm>
+          <a:prstGeom prst="straightConnector1">
+            <a:avLst/>
+          </a:prstGeom>
+          <a:ln>
+            <a:tailEnd type="arrow"/>
+          </a:ln>
+        </p:spPr>
+        <p:style>
+          <a:lnRef idx="1">
+            <a:schemeClr val="accent1"/>
+          </a:lnRef>
+          <a:fillRef idx="0">
+            <a:schemeClr val="accent1"/>
+          </a:fillRef>
+          <a:effectRef idx="0">
+            <a:schemeClr val="accent1"/>
+          </a:effectRef>
+          <a:fontRef idx="minor">
+            <a:schemeClr val="tx1"/>
+          </a:fontRef>
+        </p:style>
+      </p:cxnSp>
+      <p:cxnSp>
+        <p:nvCxnSpPr>
+          <p:cNvPr id="31" name="직선 연결선 30"/>
+          <p:cNvCxnSpPr/>
+          <p:nvPr/>
+        </p:nvCxnSpPr>
+        <p:spPr>
+          <a:xfrm>
+            <a:off x="3275856" y="1412776"/>
+            <a:ext cx="271438" cy="5112568"/>
+          </a:xfrm>
+          <a:prstGeom prst="line">
+            <a:avLst/>
+          </a:prstGeom>
+        </p:spPr>
+        <p:style>
+          <a:lnRef idx="1">
+            <a:schemeClr val="accent1"/>
+          </a:lnRef>
+          <a:fillRef idx="0">
+            <a:schemeClr val="accent1"/>
+          </a:fillRef>
+          <a:effectRef idx="0">
+            <a:schemeClr val="accent1"/>
+          </a:effectRef>
+          <a:fontRef idx="minor">
+            <a:schemeClr val="tx1"/>
+          </a:fontRef>
+        </p:style>
+      </p:cxnSp>
+      <p:sp>
+        <p:nvSpPr>
+          <p:cNvPr id="32" name="모서리가 둥근 직사각형 31"/>
+          <p:cNvSpPr/>
+          <p:nvPr/>
+        </p:nvSpPr>
+        <p:spPr>
+          <a:xfrm>
+            <a:off x="408050" y="1412776"/>
+            <a:ext cx="2435758" cy="720080"/>
+          </a:xfrm>
+          <a:prstGeom prst="roundRect">
+            <a:avLst/>
+          </a:prstGeom>
+        </p:spPr>
+        <p:style>
+          <a:lnRef idx="2">
+            <a:schemeClr val="accent1"/>
+          </a:lnRef>
+          <a:fillRef idx="1">
+            <a:schemeClr val="lt1"/>
+          </a:fillRef>
+          <a:effectRef idx="0">
+            <a:schemeClr val="accent1"/>
+          </a:effectRef>
+          <a:fontRef idx="minor">
+            <a:schemeClr val="dk1"/>
+          </a:fontRef>
+        </p:style>
+        <p:txBody>
+          <a:bodyPr rtlCol="0" anchor="ctr"/>
+          <a:lstStyle/>
+          <a:p>
+            <a:pPr algn="ctr"/>
+            <a:r>
+              <a:rPr lang="en-US" altLang="ko-KR" dirty="0" smtClean="0"/>
+              <a:t>stack</a:t>
+            </a:r>
+            <a:endParaRPr lang="ko-KR" altLang="en-US" dirty="0" smtClean="0"/>
+          </a:p>
+        </p:txBody>
+      </p:sp>
+      <p:sp>
+        <p:nvSpPr>
+          <p:cNvPr id="33" name="모서리가 둥근 직사각형 32"/>
+          <p:cNvSpPr/>
+          <p:nvPr/>
+        </p:nvSpPr>
+        <p:spPr>
+          <a:xfrm>
+            <a:off x="6500242" y="742759"/>
+            <a:ext cx="2435758" cy="720080"/>
+          </a:xfrm>
+          <a:prstGeom prst="roundRect">
+            <a:avLst/>
+          </a:prstGeom>
+        </p:spPr>
+        <p:style>
+          <a:lnRef idx="2">
+            <a:schemeClr val="accent1"/>
+          </a:lnRef>
+          <a:fillRef idx="1">
+            <a:schemeClr val="lt1"/>
+          </a:fillRef>
+          <a:effectRef idx="0">
+            <a:schemeClr val="accent1"/>
+          </a:effectRef>
+          <a:fontRef idx="minor">
+            <a:schemeClr val="dk1"/>
+          </a:fontRef>
+        </p:style>
+        <p:txBody>
+          <a:bodyPr rtlCol="0" anchor="ctr"/>
+          <a:lstStyle/>
+          <a:p>
+            <a:pPr algn="ctr"/>
+            <a:r>
+              <a:rPr lang="en-US" altLang="ko-KR" dirty="0" smtClean="0"/>
+              <a:t>heap</a:t>
+            </a:r>
+            <a:endParaRPr lang="ko-KR" altLang="en-US" dirty="0" smtClean="0"/>
           </a:p>
         </p:txBody>
       </p:sp>
     </p:spTree>
     <p:extLst>
       <p:ext uri="{BB962C8B-B14F-4D97-AF65-F5344CB8AC3E}">
-        <p14:creationId xmlns:p14="http://schemas.microsoft.com/office/powerpoint/2010/main" val="2091973034"/>
+        <p14:creationId xmlns:p14="http://schemas.microsoft.com/office/powerpoint/2010/main" val="422969565"/>
       </p:ext>
     </p:extLst>
   </p:cSld>
